--- a/docs/Presentation/apG25.pptx
+++ b/docs/Presentation/apG25.pptx
@@ -4619,7 +4619,7 @@
       <dgm:spPr/>
     </dgm:pt>
     <dgm:pt modelId="{7838ACCC-1CD4-4AE3-ABB1-B32F390314B6}" type="pres">
-      <dgm:prSet presAssocID="{739B7D1B-CE76-4CB4-B1CE-493BAB36E237}" presName="bgRect" presStyleLbl="bgShp" presStyleIdx="1" presStyleCnt="3" custLinFactNeighborX="-928" custLinFactNeighborY="1318"/>
+      <dgm:prSet presAssocID="{739B7D1B-CE76-4CB4-B1CE-493BAB36E237}" presName="bgRect" presStyleLbl="bgShp" presStyleIdx="1" presStyleCnt="3" custLinFactNeighborY="4983"/>
       <dgm:spPr>
         <a:solidFill>
           <a:schemeClr val="bg1"/>
@@ -6041,7 +6041,7 @@
       </dsp:nvSpPr>
       <dsp:spPr>
         <a:xfrm>
-          <a:off x="0" y="1996076"/>
+          <a:off x="0" y="2054136"/>
           <a:ext cx="6900512" cy="1584199"/>
         </a:xfrm>
         <a:prstGeom prst="roundRect">
@@ -11498,7 +11498,7 @@
           <a:p>
             <a:fld id="{EF250A13-A918-4E6A-87E8-57F0E5B12AEE}" type="datetimeFigureOut">
               <a:rPr lang="en-US" smtClean="0"/>
-              <a:t>4/24/2023</a:t>
+              <a:t>5/24/2023</a:t>
             </a:fld>
             <a:endParaRPr lang="en-US"/>
           </a:p>
@@ -11912,7 +11912,7 @@
           <a:p>
             <a:fld id="{690E39DC-5028-4D27-86DE-1E1A8E37356E}" type="datetime1">
               <a:rPr lang="en-US" smtClean="0"/>
-              <a:t>4/24/2023</a:t>
+              <a:t>5/24/2023</a:t>
             </a:fld>
             <a:endParaRPr lang="en-US"/>
           </a:p>
@@ -12110,7 +12110,7 @@
           <a:p>
             <a:fld id="{E528BBCF-9739-4D82-8D10-83A65A733216}" type="datetime1">
               <a:rPr lang="en-US" smtClean="0"/>
-              <a:t>4/24/2023</a:t>
+              <a:t>5/24/2023</a:t>
             </a:fld>
             <a:endParaRPr lang="en-US"/>
           </a:p>
@@ -12318,7 +12318,7 @@
           <a:p>
             <a:fld id="{3B26AA06-73AE-4DC2-8A5F-BA5A42A0B29B}" type="datetime1">
               <a:rPr lang="en-US" smtClean="0"/>
-              <a:t>4/24/2023</a:t>
+              <a:t>5/24/2023</a:t>
             </a:fld>
             <a:endParaRPr lang="en-US"/>
           </a:p>
@@ -12516,7 +12516,7 @@
           <a:p>
             <a:fld id="{51FD9E73-549A-463B-88D7-51202D02FA4A}" type="datetime1">
               <a:rPr lang="en-US" smtClean="0"/>
-              <a:t>4/24/2023</a:t>
+              <a:t>5/24/2023</a:t>
             </a:fld>
             <a:endParaRPr lang="en-US"/>
           </a:p>
@@ -12791,7 +12791,7 @@
           <a:p>
             <a:fld id="{C26AED35-C477-47BC-A642-065F297A6549}" type="datetime1">
               <a:rPr lang="en-US" smtClean="0"/>
-              <a:t>4/24/2023</a:t>
+              <a:t>5/24/2023</a:t>
             </a:fld>
             <a:endParaRPr lang="en-US"/>
           </a:p>
@@ -13056,7 +13056,7 @@
           <a:p>
             <a:fld id="{D2F9F51C-D963-4530-8CF6-77F566562D36}" type="datetime1">
               <a:rPr lang="en-US" smtClean="0"/>
-              <a:t>4/24/2023</a:t>
+              <a:t>5/24/2023</a:t>
             </a:fld>
             <a:endParaRPr lang="en-US"/>
           </a:p>
@@ -13468,7 +13468,7 @@
           <a:p>
             <a:fld id="{04D163E9-6F57-4AE6-974D-283029FCA1CB}" type="datetime1">
               <a:rPr lang="en-US" smtClean="0"/>
-              <a:t>4/24/2023</a:t>
+              <a:t>5/24/2023</a:t>
             </a:fld>
             <a:endParaRPr lang="en-US"/>
           </a:p>
@@ -13609,7 +13609,7 @@
           <a:p>
             <a:fld id="{F56E4884-C705-41EC-8A03-EDACEBE83BF3}" type="datetime1">
               <a:rPr lang="en-US" smtClean="0"/>
-              <a:t>4/24/2023</a:t>
+              <a:t>5/24/2023</a:t>
             </a:fld>
             <a:endParaRPr lang="en-US"/>
           </a:p>
@@ -13722,7 +13722,7 @@
           <a:p>
             <a:fld id="{643A8A06-1B6D-48FC-9901-EDF1CF6F24E6}" type="datetime1">
               <a:rPr lang="en-US" smtClean="0"/>
-              <a:t>4/24/2023</a:t>
+              <a:t>5/24/2023</a:t>
             </a:fld>
             <a:endParaRPr lang="en-US"/>
           </a:p>
@@ -14033,7 +14033,7 @@
           <a:p>
             <a:fld id="{B31057A4-5A80-41AC-B999-D61D5AF9ECE2}" type="datetime1">
               <a:rPr lang="en-US" smtClean="0"/>
-              <a:t>4/24/2023</a:t>
+              <a:t>5/24/2023</a:t>
             </a:fld>
             <a:endParaRPr lang="en-US"/>
           </a:p>
@@ -14321,7 +14321,7 @@
           <a:p>
             <a:fld id="{836A5F11-175C-490E-A36B-08659BC8F5AC}" type="datetime1">
               <a:rPr lang="en-US" smtClean="0"/>
-              <a:t>4/24/2023</a:t>
+              <a:t>5/24/2023</a:t>
             </a:fld>
             <a:endParaRPr lang="en-US"/>
           </a:p>
@@ -14562,7 +14562,7 @@
           <a:p>
             <a:fld id="{F9067DF9-F39D-49AE-B3DF-1C5DE5E9B23A}" type="datetime1">
               <a:rPr lang="en-US" smtClean="0"/>
-              <a:t>4/24/2023</a:t>
+              <a:t>5/24/2023</a:t>
             </a:fld>
             <a:endParaRPr lang="en-US"/>
           </a:p>
@@ -15589,10 +15589,9 @@
               <a:t>Testes à </a:t>
             </a:r>
             <a:r>
-              <a:rPr lang="en-US" sz="4800" dirty="0" err="1"/>
+              <a:rPr lang="pt-PT" sz="4800" dirty="0"/>
               <a:t>implementação</a:t>
             </a:r>
-            <a:endParaRPr lang="en-US" sz="4800" dirty="0"/>
           </a:p>
         </p:txBody>
       </p:sp>
@@ -16833,7 +16832,7 @@
             <p:ph idx="1"/>
             <p:extLst>
               <p:ext uri="{D42A27DB-BD31-4B8C-83A1-F6EECF244321}">
-                <p14:modId xmlns:p14="http://schemas.microsoft.com/office/powerpoint/2010/main" val="1936432920"/>
+                <p14:modId xmlns:p14="http://schemas.microsoft.com/office/powerpoint/2010/main" val="528358445"/>
               </p:ext>
             </p:extLst>
           </p:nvPr>
@@ -17316,7 +17315,7 @@
               <a:t>Verificamos que a nossa </a:t>
             </a:r>
             <a:r>
-              <a:rPr lang="pt-PT" dirty="0" err="1"/>
+              <a:rPr lang="pt-PT" i="1" dirty="0" err="1"/>
               <a:t>framework</a:t>
             </a:r>
             <a:r>
